--- a/slides/astrochem_talk.pptx
+++ b/slides/astrochem_talk.pptx
@@ -5,10 +5,10 @@
     <p:sldMasterId id="2147483648" r:id="rId1"/>
   </p:sldMasterIdLst>
   <p:notesMasterIdLst>
-    <p:notesMasterId r:id="rId12"/>
+    <p:notesMasterId r:id="rId14"/>
   </p:notesMasterIdLst>
   <p:handoutMasterIdLst>
-    <p:handoutMasterId r:id="rId13"/>
+    <p:handoutMasterId r:id="rId15"/>
   </p:handoutMasterIdLst>
   <p:sldIdLst>
     <p:sldId id="384" r:id="rId2"/>
@@ -16,11 +16,13 @@
     <p:sldId id="293" r:id="rId4"/>
     <p:sldId id="327" r:id="rId5"/>
     <p:sldId id="319" r:id="rId6"/>
-    <p:sldId id="362" r:id="rId7"/>
-    <p:sldId id="310" r:id="rId8"/>
-    <p:sldId id="312" r:id="rId9"/>
-    <p:sldId id="364" r:id="rId10"/>
-    <p:sldId id="385" r:id="rId11"/>
+    <p:sldId id="386" r:id="rId7"/>
+    <p:sldId id="362" r:id="rId8"/>
+    <p:sldId id="387" r:id="rId9"/>
+    <p:sldId id="310" r:id="rId10"/>
+    <p:sldId id="312" r:id="rId11"/>
+    <p:sldId id="364" r:id="rId12"/>
+    <p:sldId id="385" r:id="rId13"/>
   </p:sldIdLst>
   <p:sldSz cx="9144000" cy="6858000" type="screen4x3"/>
   <p:notesSz cx="6858000" cy="9144000"/>
@@ -129,7 +131,9 @@
             <p14:sldId id="293"/>
             <p14:sldId id="327"/>
             <p14:sldId id="319"/>
+            <p14:sldId id="386"/>
             <p14:sldId id="362"/>
+            <p14:sldId id="387"/>
           </p14:sldIdLst>
         </p14:section>
         <p14:section name="Untitled Section" id="{E95DD4B7-C620-3B47-BD4C-68460915B0CF}">
@@ -234,7 +238,7 @@
           <a:p>
             <a:fld id="{7E37B48D-A559-6F41-A85D-9198382D8E74}" type="datetime1">
               <a:rPr lang="en-US" smtClean="0"/>
-              <a:t>9/21/15</a:t>
+              <a:t>9/24/15</a:t>
             </a:fld>
             <a:endParaRPr lang="en-US"/>
           </a:p>
@@ -400,7 +404,7 @@
           <a:p>
             <a:fld id="{A07269D8-8511-224D-9EC2-608B032B74D9}" type="datetime1">
               <a:rPr lang="en-US" smtClean="0"/>
-              <a:t>9/21/15</a:t>
+              <a:t>9/24/15</a:t>
             </a:fld>
             <a:endParaRPr lang="en-US"/>
           </a:p>
@@ -958,7 +962,7 @@
           <a:p>
             <a:fld id="{6BFECD78-3C8E-49F2-8FAB-59489D168ABB}" type="datetimeFigureOut">
               <a:rPr lang="en-US" smtClean="0"/>
-              <a:t>9/21/15</a:t>
+              <a:t>9/24/15</a:t>
             </a:fld>
             <a:endParaRPr lang="en-US"/>
           </a:p>
@@ -1128,7 +1132,7 @@
           <a:p>
             <a:fld id="{6BFECD78-3C8E-49F2-8FAB-59489D168ABB}" type="datetimeFigureOut">
               <a:rPr lang="en-US" smtClean="0"/>
-              <a:t>9/21/15</a:t>
+              <a:t>9/24/15</a:t>
             </a:fld>
             <a:endParaRPr lang="en-US"/>
           </a:p>
@@ -1308,7 +1312,7 @@
           <a:p>
             <a:fld id="{6BFECD78-3C8E-49F2-8FAB-59489D168ABB}" type="datetimeFigureOut">
               <a:rPr lang="en-US" smtClean="0"/>
-              <a:t>9/21/15</a:t>
+              <a:t>9/24/15</a:t>
             </a:fld>
             <a:endParaRPr lang="en-US"/>
           </a:p>
@@ -1478,7 +1482,7 @@
           <a:p>
             <a:fld id="{6BFECD78-3C8E-49F2-8FAB-59489D168ABB}" type="datetimeFigureOut">
               <a:rPr lang="en-US" smtClean="0"/>
-              <a:t>9/21/15</a:t>
+              <a:t>9/24/15</a:t>
             </a:fld>
             <a:endParaRPr lang="en-US"/>
           </a:p>
@@ -1724,7 +1728,7 @@
           <a:p>
             <a:fld id="{6BFECD78-3C8E-49F2-8FAB-59489D168ABB}" type="datetimeFigureOut">
               <a:rPr lang="en-US" smtClean="0"/>
-              <a:t>9/21/15</a:t>
+              <a:t>9/24/15</a:t>
             </a:fld>
             <a:endParaRPr lang="en-US"/>
           </a:p>
@@ -2012,7 +2016,7 @@
           <a:p>
             <a:fld id="{6BFECD78-3C8E-49F2-8FAB-59489D168ABB}" type="datetimeFigureOut">
               <a:rPr lang="en-US" smtClean="0"/>
-              <a:t>9/21/15</a:t>
+              <a:t>9/24/15</a:t>
             </a:fld>
             <a:endParaRPr lang="en-US"/>
           </a:p>
@@ -2434,7 +2438,7 @@
           <a:p>
             <a:fld id="{6BFECD78-3C8E-49F2-8FAB-59489D168ABB}" type="datetimeFigureOut">
               <a:rPr lang="en-US" smtClean="0"/>
-              <a:t>9/21/15</a:t>
+              <a:t>9/24/15</a:t>
             </a:fld>
             <a:endParaRPr lang="en-US"/>
           </a:p>
@@ -2552,7 +2556,7 @@
           <a:p>
             <a:fld id="{6BFECD78-3C8E-49F2-8FAB-59489D168ABB}" type="datetimeFigureOut">
               <a:rPr lang="en-US" smtClean="0"/>
-              <a:t>9/21/15</a:t>
+              <a:t>9/24/15</a:t>
             </a:fld>
             <a:endParaRPr lang="en-US"/>
           </a:p>
@@ -2647,7 +2651,7 @@
           <a:p>
             <a:fld id="{6BFECD78-3C8E-49F2-8FAB-59489D168ABB}" type="datetimeFigureOut">
               <a:rPr lang="en-US" smtClean="0"/>
-              <a:t>9/21/15</a:t>
+              <a:t>9/24/15</a:t>
             </a:fld>
             <a:endParaRPr lang="en-US"/>
           </a:p>
@@ -2924,7 +2928,7 @@
           <a:p>
             <a:fld id="{6BFECD78-3C8E-49F2-8FAB-59489D168ABB}" type="datetimeFigureOut">
               <a:rPr lang="en-US" smtClean="0"/>
-              <a:t>9/21/15</a:t>
+              <a:t>9/24/15</a:t>
             </a:fld>
             <a:endParaRPr lang="en-US"/>
           </a:p>
@@ -3181,7 +3185,7 @@
           <a:p>
             <a:fld id="{6BFECD78-3C8E-49F2-8FAB-59489D168ABB}" type="datetimeFigureOut">
               <a:rPr lang="en-US" smtClean="0"/>
-              <a:t>9/21/15</a:t>
+              <a:t>9/24/15</a:t>
             </a:fld>
             <a:endParaRPr lang="en-US"/>
           </a:p>
@@ -3394,7 +3398,7 @@
           <a:p>
             <a:fld id="{6BFECD78-3C8E-49F2-8FAB-59489D168ABB}" type="datetimeFigureOut">
               <a:rPr lang="en-US" smtClean="0"/>
-              <a:t>9/21/15</a:t>
+              <a:t>9/24/15</a:t>
             </a:fld>
             <a:endParaRPr lang="en-US"/>
           </a:p>
@@ -3850,11 +3854,7 @@
           <a:p>
             <a:r>
               <a:rPr lang="en-US" sz="3400" dirty="0" smtClean="0"/>
-              <a:t>Ana</a:t>
-            </a:r>
-            <a:r>
-              <a:rPr lang="en-US" sz="3400" dirty="0" smtClean="0"/>
-              <a:t>-Maria Piso</a:t>
+              <a:t>Ana-Maria Piso</a:t>
             </a:r>
           </a:p>
           <a:p>
@@ -3930,6 +3930,331 @@
 </file>
 
 <file path=ppt/slides/slide10.xml><?xml version="1.0" encoding="utf-8"?>
+<p:sld xmlns:a="http://schemas.openxmlformats.org/drawingml/2006/main" xmlns:r="http://schemas.openxmlformats.org/officeDocument/2006/relationships" xmlns:p="http://schemas.openxmlformats.org/presentationml/2006/main">
+  <p:cSld>
+    <p:spTree>
+      <p:nvGrpSpPr>
+        <p:cNvPr id="1" name=""/>
+        <p:cNvGrpSpPr/>
+        <p:nvPr/>
+      </p:nvGrpSpPr>
+      <p:grpSpPr>
+        <a:xfrm>
+          <a:off x="0" y="0"/>
+          <a:ext cx="0" cy="0"/>
+          <a:chOff x="0" y="0"/>
+          <a:chExt cx="0" cy="0"/>
+        </a:xfrm>
+      </p:grpSpPr>
+      <p:sp>
+        <p:nvSpPr>
+          <p:cNvPr id="2" name="Title 1"/>
+          <p:cNvSpPr>
+            <a:spLocks noGrp="1"/>
+          </p:cNvSpPr>
+          <p:nvPr>
+            <p:ph type="title"/>
+          </p:nvPr>
+        </p:nvSpPr>
+        <p:spPr>
+          <a:xfrm>
+            <a:off x="457200" y="20638"/>
+            <a:ext cx="8229600" cy="1143000"/>
+          </a:xfrm>
+        </p:spPr>
+        <p:txBody>
+          <a:bodyPr>
+            <a:noAutofit/>
+          </a:bodyPr>
+          <a:lstStyle/>
+          <a:p>
+            <a:r>
+              <a:rPr lang="en-US" sz="3600" dirty="0" smtClean="0"/>
+              <a:t>We determined </a:t>
+            </a:r>
+            <a:r>
+              <a:rPr lang="en-US" sz="3600" dirty="0" smtClean="0">
+                <a:solidFill>
+                  <a:srgbClr val="FFFF00"/>
+                </a:solidFill>
+              </a:rPr>
+              <a:t>upper limits </a:t>
+            </a:r>
+            <a:r>
+              <a:rPr lang="en-US" sz="3600" dirty="0" smtClean="0"/>
+              <a:t>for the </a:t>
+            </a:r>
+            <a:r>
+              <a:rPr lang="en-US" sz="3600" dirty="0" smtClean="0">
+                <a:solidFill>
+                  <a:srgbClr val="FFFF00"/>
+                </a:solidFill>
+              </a:rPr>
+              <a:t>C/O ratio</a:t>
+            </a:r>
+            <a:r>
+              <a:rPr lang="en-US" sz="3600" dirty="0" smtClean="0"/>
+              <a:t> across the disk</a:t>
+            </a:r>
+            <a:endParaRPr lang="en-US" sz="3600" dirty="0"/>
+          </a:p>
+        </p:txBody>
+      </p:sp>
+      <p:pic>
+        <p:nvPicPr>
+          <p:cNvPr id="3" name="Picture 2" descr="C_O_ratio_passive_active_disk_many_colorbar_complete_new.pdf"/>
+          <p:cNvPicPr>
+            <a:picLocks noChangeAspect="1"/>
+          </p:cNvPicPr>
+          <p:nvPr/>
+        </p:nvPicPr>
+        <p:blipFill>
+          <a:blip r:embed="rId2">
+            <a:extLst>
+              <a:ext uri="{28A0092B-C50C-407E-A947-70E740481C1C}">
+                <a14:useLocalDpi xmlns:a14="http://schemas.microsoft.com/office/drawing/2010/main" val="0"/>
+              </a:ext>
+            </a:extLst>
+          </a:blip>
+          <a:stretch>
+            <a:fillRect/>
+          </a:stretch>
+        </p:blipFill>
+        <p:spPr>
+          <a:xfrm>
+            <a:off x="1961445" y="1163638"/>
+            <a:ext cx="5446888" cy="5446888"/>
+          </a:xfrm>
+          <a:prstGeom prst="rect">
+            <a:avLst/>
+          </a:prstGeom>
+        </p:spPr>
+      </p:pic>
+      <p:sp>
+        <p:nvSpPr>
+          <p:cNvPr id="6" name="TextBox 5"/>
+          <p:cNvSpPr txBox="1"/>
+          <p:nvPr/>
+        </p:nvSpPr>
+        <p:spPr>
+          <a:xfrm>
+            <a:off x="6268157" y="6242971"/>
+            <a:ext cx="1106311" cy="307777"/>
+          </a:xfrm>
+          <a:prstGeom prst="rect">
+            <a:avLst/>
+          </a:prstGeom>
+          <a:noFill/>
+        </p:spPr>
+        <p:txBody>
+          <a:bodyPr wrap="square" rtlCol="0">
+            <a:spAutoFit/>
+          </a:bodyPr>
+          <a:lstStyle/>
+          <a:p>
+            <a:r>
+              <a:rPr lang="en-US" sz="1400" dirty="0" smtClean="0">
+                <a:solidFill>
+                  <a:schemeClr val="bg1"/>
+                </a:solidFill>
+              </a:rPr>
+              <a:t>Piso+15</a:t>
+            </a:r>
+            <a:endParaRPr lang="en-US" sz="1400" dirty="0">
+              <a:solidFill>
+                <a:schemeClr val="bg1"/>
+              </a:solidFill>
+            </a:endParaRPr>
+          </a:p>
+        </p:txBody>
+      </p:sp>
+    </p:spTree>
+    <p:extLst>
+      <p:ext uri="{BB962C8B-B14F-4D97-AF65-F5344CB8AC3E}">
+        <p14:creationId xmlns:p14="http://schemas.microsoft.com/office/powerpoint/2010/main" val="1582584690"/>
+      </p:ext>
+    </p:extLst>
+  </p:cSld>
+  <p:clrMapOvr>
+    <a:masterClrMapping/>
+  </p:clrMapOvr>
+  <p:timing>
+    <p:tnLst>
+      <p:par>
+        <p:cTn xmlns:p14="http://schemas.microsoft.com/office/powerpoint/2010/main" id="1" dur="indefinite" restart="never" nodeType="tmRoot"/>
+      </p:par>
+    </p:tnLst>
+  </p:timing>
+</p:sld>
+</file>
+
+<file path=ppt/slides/slide11.xml><?xml version="1.0" encoding="utf-8"?>
+<p:sld xmlns:a="http://schemas.openxmlformats.org/drawingml/2006/main" xmlns:r="http://schemas.openxmlformats.org/officeDocument/2006/relationships" xmlns:p="http://schemas.openxmlformats.org/presentationml/2006/main">
+  <p:cSld>
+    <p:spTree>
+      <p:nvGrpSpPr>
+        <p:cNvPr id="1" name=""/>
+        <p:cNvGrpSpPr/>
+        <p:nvPr/>
+      </p:nvGrpSpPr>
+      <p:grpSpPr>
+        <a:xfrm>
+          <a:off x="0" y="0"/>
+          <a:ext cx="0" cy="0"/>
+          <a:chOff x="0" y="0"/>
+          <a:chExt cx="0" cy="0"/>
+        </a:xfrm>
+      </p:grpSpPr>
+      <p:sp>
+        <p:nvSpPr>
+          <p:cNvPr id="2" name="Title 1"/>
+          <p:cNvSpPr>
+            <a:spLocks noGrp="1"/>
+          </p:cNvSpPr>
+          <p:nvPr>
+            <p:ph type="title"/>
+          </p:nvPr>
+        </p:nvSpPr>
+        <p:spPr/>
+        <p:txBody>
+          <a:bodyPr>
+            <a:normAutofit fontScale="90000"/>
+          </a:bodyPr>
+          <a:lstStyle/>
+          <a:p>
+            <a:r>
+              <a:rPr lang="en-US" dirty="0" smtClean="0"/>
+              <a:t>The </a:t>
+            </a:r>
+            <a:r>
+              <a:rPr lang="en-US" dirty="0" smtClean="0">
+                <a:solidFill>
+                  <a:srgbClr val="FFFF00"/>
+                </a:solidFill>
+              </a:rPr>
+              <a:t>desorption distance </a:t>
+            </a:r>
+            <a:r>
+              <a:rPr lang="en-US" dirty="0" smtClean="0"/>
+              <a:t>for </a:t>
+            </a:r>
+            <a:r>
+              <a:rPr lang="en-US" dirty="0" smtClean="0">
+                <a:solidFill>
+                  <a:srgbClr val="FFFF00"/>
+                </a:solidFill>
+              </a:rPr>
+              <a:t>transition disks</a:t>
+            </a:r>
+            <a:r>
+              <a:rPr lang="en-US" dirty="0" smtClean="0"/>
+              <a:t> agrees with </a:t>
+            </a:r>
+            <a:r>
+              <a:rPr lang="en-US" dirty="0" smtClean="0">
+                <a:solidFill>
+                  <a:srgbClr val="FFFF00"/>
+                </a:solidFill>
+              </a:rPr>
+              <a:t>observations</a:t>
+            </a:r>
+            <a:endParaRPr lang="en-US" dirty="0">
+              <a:solidFill>
+                <a:srgbClr val="FFFF00"/>
+              </a:solidFill>
+            </a:endParaRPr>
+          </a:p>
+        </p:txBody>
+      </p:sp>
+      <p:pic>
+        <p:nvPicPr>
+          <p:cNvPr id="4" name="Picture 3" descr="desorption_distance_transition_disk_1000.pdf"/>
+          <p:cNvPicPr>
+            <a:picLocks noChangeAspect="1"/>
+          </p:cNvPicPr>
+          <p:nvPr/>
+        </p:nvPicPr>
+        <p:blipFill>
+          <a:blip r:embed="rId2">
+            <a:extLst>
+              <a:ext uri="{28A0092B-C50C-407E-A947-70E740481C1C}">
+                <a14:useLocalDpi xmlns:a14="http://schemas.microsoft.com/office/drawing/2010/main" val="0"/>
+              </a:ext>
+            </a:extLst>
+          </a:blip>
+          <a:stretch>
+            <a:fillRect/>
+          </a:stretch>
+        </p:blipFill>
+        <p:spPr>
+          <a:xfrm>
+            <a:off x="1628422" y="1761066"/>
+            <a:ext cx="6033911" cy="4525434"/>
+          </a:xfrm>
+          <a:prstGeom prst="rect">
+            <a:avLst/>
+          </a:prstGeom>
+        </p:spPr>
+      </p:pic>
+      <p:sp>
+        <p:nvSpPr>
+          <p:cNvPr id="5" name="TextBox 4"/>
+          <p:cNvSpPr txBox="1"/>
+          <p:nvPr/>
+        </p:nvSpPr>
+        <p:spPr>
+          <a:xfrm>
+            <a:off x="6556022" y="5860638"/>
+            <a:ext cx="1106311" cy="307777"/>
+          </a:xfrm>
+          <a:prstGeom prst="rect">
+            <a:avLst/>
+          </a:prstGeom>
+          <a:noFill/>
+        </p:spPr>
+        <p:txBody>
+          <a:bodyPr wrap="square" rtlCol="0">
+            <a:spAutoFit/>
+          </a:bodyPr>
+          <a:lstStyle/>
+          <a:p>
+            <a:r>
+              <a:rPr lang="en-US" sz="1400" dirty="0" smtClean="0">
+                <a:solidFill>
+                  <a:schemeClr val="bg1"/>
+                </a:solidFill>
+              </a:rPr>
+              <a:t>Piso+15</a:t>
+            </a:r>
+            <a:endParaRPr lang="en-US" sz="1400" dirty="0">
+              <a:solidFill>
+                <a:schemeClr val="bg1"/>
+              </a:solidFill>
+            </a:endParaRPr>
+          </a:p>
+        </p:txBody>
+      </p:sp>
+    </p:spTree>
+    <p:extLst>
+      <p:ext uri="{BB962C8B-B14F-4D97-AF65-F5344CB8AC3E}">
+        <p14:creationId xmlns:p14="http://schemas.microsoft.com/office/powerpoint/2010/main" val="3837873753"/>
+      </p:ext>
+    </p:extLst>
+  </p:cSld>
+  <p:clrMapOvr>
+    <a:masterClrMapping/>
+  </p:clrMapOvr>
+  <p:timing>
+    <p:tnLst>
+      <p:par>
+        <p:cTn xmlns:p14="http://schemas.microsoft.com/office/powerpoint/2010/main" id="1" dur="indefinite" restart="never" nodeType="tmRoot"/>
+      </p:par>
+    </p:tnLst>
+  </p:timing>
+</p:sld>
+</file>
+
+<file path=ppt/slides/slide12.xml><?xml version="1.0" encoding="utf-8"?>
 <p:sld xmlns:a="http://schemas.openxmlformats.org/drawingml/2006/main" xmlns:r="http://schemas.openxmlformats.org/officeDocument/2006/relationships" xmlns:p="http://schemas.openxmlformats.org/presentationml/2006/main">
   <p:cSld>
     <p:spTree>
@@ -4934,43 +5259,35 @@
       </p:grpSpPr>
       <p:sp>
         <p:nvSpPr>
-          <p:cNvPr id="2" name="Title 1"/>
-          <p:cNvSpPr>
-            <a:spLocks noGrp="1"/>
-          </p:cNvSpPr>
-          <p:nvPr>
-            <p:ph type="title"/>
-          </p:nvPr>
+          <p:cNvPr id="6" name="TextBox 5"/>
+          <p:cNvSpPr txBox="1"/>
+          <p:nvPr/>
         </p:nvSpPr>
         <p:spPr>
           <a:xfrm>
-            <a:off x="457200" y="2540001"/>
-            <a:ext cx="8475133" cy="2215444"/>
+            <a:off x="7210776" y="6229556"/>
+            <a:ext cx="1495778" cy="307777"/>
           </a:xfrm>
-          <a:solidFill>
-            <a:srgbClr val="FFFF00"/>
-          </a:solidFill>
-          <a:ln w="63500">
-            <a:solidFill>
-              <a:srgbClr val="0000FF"/>
-            </a:solidFill>
-          </a:ln>
+          <a:prstGeom prst="rect">
+            <a:avLst/>
+          </a:prstGeom>
+          <a:noFill/>
         </p:spPr>
         <p:txBody>
-          <a:bodyPr>
-            <a:noAutofit/>
+          <a:bodyPr wrap="square" rtlCol="0">
+            <a:spAutoFit/>
           </a:bodyPr>
           <a:lstStyle/>
           <a:p>
             <a:r>
-              <a:rPr lang="en-US" sz="3600" dirty="0" smtClean="0">
+              <a:rPr lang="en-US" sz="1400" dirty="0" smtClean="0">
                 <a:solidFill>
                   <a:schemeClr val="bg1"/>
                 </a:solidFill>
               </a:rPr>
-              <a:t>Understand how radial drift and gas accretion affect snowline locations, and thus the C/O ratio in gas and dust throughout the disk</a:t>
-            </a:r>
-            <a:endParaRPr lang="en-US" sz="3600" dirty="0">
+              <a:t>After Oberg+11</a:t>
+            </a:r>
+            <a:endParaRPr lang="en-US" sz="1400" dirty="0">
               <a:solidFill>
                 <a:schemeClr val="bg1"/>
               </a:solidFill>
@@ -4978,55 +5295,63 @@
           </a:p>
         </p:txBody>
       </p:sp>
-      <p:sp>
-        <p:nvSpPr>
-          <p:cNvPr id="4" name="Title 1"/>
-          <p:cNvSpPr txBox="1">
-            <a:spLocks/>
-          </p:cNvSpPr>
+      <p:pic>
+        <p:nvPicPr>
+          <p:cNvPr id="7" name="Picture 6"/>
+          <p:cNvPicPr>
+            <a:picLocks noChangeAspect="1"/>
+          </p:cNvPicPr>
           <p:nvPr/>
-        </p:nvSpPr>
+        </p:nvPicPr>
+        <p:blipFill>
+          <a:blip r:embed="rId2"/>
+          <a:stretch>
+            <a:fillRect/>
+          </a:stretch>
+        </p:blipFill>
         <p:spPr>
           <a:xfrm>
-            <a:off x="457200" y="274638"/>
-            <a:ext cx="8229600" cy="1143000"/>
+            <a:off x="254000" y="749300"/>
+            <a:ext cx="8636000" cy="5346700"/>
           </a:xfrm>
           <a:prstGeom prst="rect">
             <a:avLst/>
           </a:prstGeom>
         </p:spPr>
-        <p:txBody>
-          <a:bodyPr vert="horz" lIns="91440" tIns="45720" rIns="91440" bIns="45720" rtlCol="0" anchor="ctr">
-            <a:normAutofit/>
+      </p:pic>
+      <p:sp>
+        <p:nvSpPr>
+          <p:cNvPr id="8" name="TextBox 7"/>
+          <p:cNvSpPr txBox="1"/>
+          <p:nvPr/>
+        </p:nvSpPr>
+        <p:spPr>
+          <a:xfrm>
+            <a:off x="8015109" y="5760001"/>
+            <a:ext cx="931335" cy="307777"/>
+          </a:xfrm>
+          <a:prstGeom prst="rect">
+            <a:avLst/>
+          </a:prstGeom>
+          <a:noFill/>
+        </p:spPr>
+        <p:txBody>
+          <a:bodyPr wrap="square" rtlCol="0">
+            <a:spAutoFit/>
           </a:bodyPr>
-          <a:lstStyle>
-            <a:lvl1pPr algn="ctr" defTabSz="914400" rtl="0" eaLnBrk="1" latinLnBrk="0" hangingPunct="1">
-              <a:spcBef>
-                <a:spcPct val="0"/>
-              </a:spcBef>
-              <a:buNone/>
-              <a:defRPr sz="4400" kern="1200">
-                <a:solidFill>
-                  <a:schemeClr val="tx1"/>
-                </a:solidFill>
-                <a:latin typeface="+mj-lt"/>
-                <a:ea typeface="+mj-ea"/>
-                <a:cs typeface="+mj-cs"/>
-              </a:defRPr>
-            </a:lvl1pPr>
-          </a:lstStyle>
-          <a:p>
-            <a:r>
-              <a:rPr lang="en-US" sz="6000" dirty="0" smtClean="0">
-                <a:solidFill>
-                  <a:srgbClr val="FFFF00"/>
+          <a:lstStyle/>
+          <a:p>
+            <a:r>
+              <a:rPr lang="en-US" sz="1400" dirty="0" smtClean="0">
+                <a:solidFill>
+                  <a:schemeClr val="bg1"/>
                 </a:solidFill>
               </a:rPr>
-              <a:t>“SUB”-GOAL</a:t>
-            </a:r>
-            <a:endParaRPr lang="en-US" sz="6000" dirty="0">
+              <a:t>Oberg+11</a:t>
+            </a:r>
+            <a:endParaRPr lang="en-US" sz="1400" dirty="0">
               <a:solidFill>
-                <a:srgbClr val="FFFF00"/>
+                <a:schemeClr val="bg1"/>
               </a:solidFill>
             </a:endParaRPr>
           </a:p>
@@ -5035,20 +5360,13 @@
     </p:spTree>
     <p:extLst>
       <p:ext uri="{BB962C8B-B14F-4D97-AF65-F5344CB8AC3E}">
-        <p14:creationId xmlns:p14="http://schemas.microsoft.com/office/powerpoint/2010/main" val="340389163"/>
+        <p14:creationId xmlns:p14="http://schemas.microsoft.com/office/powerpoint/2010/main" val="1381511057"/>
       </p:ext>
     </p:extLst>
   </p:cSld>
   <p:clrMapOvr>
     <a:masterClrMapping/>
   </p:clrMapOvr>
-  <p:timing>
-    <p:tnLst>
-      <p:par>
-        <p:cTn xmlns:p14="http://schemas.microsoft.com/office/powerpoint/2010/main" id="1" dur="indefinite" restart="never" nodeType="tmRoot"/>
-      </p:par>
-    </p:tnLst>
-  </p:timing>
 </p:sld>
 </file>
 
@@ -5079,96 +5397,35 @@
             <p:ph type="title"/>
           </p:nvPr>
         </p:nvSpPr>
-        <p:spPr/>
-        <p:txBody>
-          <a:bodyPr>
-            <a:normAutofit fontScale="90000"/>
-          </a:bodyPr>
-          <a:lstStyle/>
-          <a:p>
-            <a:r>
-              <a:rPr lang="en-US" dirty="0" smtClean="0">
-                <a:solidFill>
-                  <a:srgbClr val="FFFF00"/>
-                </a:solidFill>
-              </a:rPr>
-              <a:t>Timescales</a:t>
-            </a:r>
-            <a:r>
-              <a:rPr lang="en-US" dirty="0" smtClean="0"/>
-              <a:t> for </a:t>
-            </a:r>
-            <a:r>
-              <a:rPr lang="en-US" dirty="0" smtClean="0">
-                <a:solidFill>
-                  <a:srgbClr val="FFFF00"/>
-                </a:solidFill>
-              </a:rPr>
-              <a:t>desorption</a:t>
-            </a:r>
-            <a:r>
-              <a:rPr lang="en-US" dirty="0" smtClean="0"/>
-              <a:t>, </a:t>
-            </a:r>
-            <a:r>
-              <a:rPr lang="en-US" dirty="0" smtClean="0">
-                <a:solidFill>
-                  <a:srgbClr val="FFFF00"/>
-                </a:solidFill>
-              </a:rPr>
-              <a:t>radial drift </a:t>
-            </a:r>
-            <a:r>
-              <a:rPr lang="en-US" dirty="0" smtClean="0"/>
-              <a:t>and </a:t>
-            </a:r>
-            <a:r>
-              <a:rPr lang="en-US" dirty="0" smtClean="0">
-                <a:solidFill>
-                  <a:srgbClr val="FFFF00"/>
-                </a:solidFill>
-              </a:rPr>
-              <a:t>gas accretion </a:t>
-            </a:r>
-            <a:r>
-              <a:rPr lang="en-US" dirty="0" smtClean="0"/>
-              <a:t>ARE comparable</a:t>
-            </a:r>
-            <a:endParaRPr lang="en-US" dirty="0"/>
-          </a:p>
-        </p:txBody>
-      </p:sp>
-      <p:sp>
-        <p:nvSpPr>
-          <p:cNvPr id="5" name="TextBox 4"/>
-          <p:cNvSpPr txBox="1"/>
-          <p:nvPr/>
-        </p:nvSpPr>
         <p:spPr>
           <a:xfrm>
-            <a:off x="7374468" y="6396860"/>
-            <a:ext cx="1106311" cy="307777"/>
+            <a:off x="457200" y="2540001"/>
+            <a:ext cx="8475133" cy="2215444"/>
           </a:xfrm>
-          <a:prstGeom prst="rect">
-            <a:avLst/>
-          </a:prstGeom>
-          <a:noFill/>
+          <a:solidFill>
+            <a:srgbClr val="FFFF00"/>
+          </a:solidFill>
+          <a:ln w="63500">
+            <a:solidFill>
+              <a:srgbClr val="0000FF"/>
+            </a:solidFill>
+          </a:ln>
         </p:spPr>
         <p:txBody>
-          <a:bodyPr wrap="square" rtlCol="0">
-            <a:spAutoFit/>
+          <a:bodyPr>
+            <a:noAutofit/>
           </a:bodyPr>
           <a:lstStyle/>
           <a:p>
             <a:r>
-              <a:rPr lang="en-US" sz="1400" dirty="0" smtClean="0">
+              <a:rPr lang="en-US" sz="3600" dirty="0" smtClean="0">
                 <a:solidFill>
                   <a:schemeClr val="bg1"/>
                 </a:solidFill>
               </a:rPr>
-              <a:t>Piso+15</a:t>
-            </a:r>
-            <a:endParaRPr lang="en-US" sz="1400" dirty="0">
+              <a:t>Understand how radial drift and gas accretion affect snowline locations, and thus the C/O ratio in gas and dust throughout the disk</a:t>
+            </a:r>
+            <a:endParaRPr lang="en-US" sz="3600" dirty="0">
               <a:solidFill>
                 <a:schemeClr val="bg1"/>
               </a:solidFill>
@@ -5176,69 +5433,55 @@
           </a:p>
         </p:txBody>
       </p:sp>
-      <p:pic>
-        <p:nvPicPr>
-          <p:cNvPr id="3" name="Picture 2" descr="drift_timescales_betaS1_gas_acc_new.pdf"/>
-          <p:cNvPicPr>
-            <a:picLocks noChangeAspect="1"/>
-          </p:cNvPicPr>
+      <p:sp>
+        <p:nvSpPr>
+          <p:cNvPr id="4" name="Title 1"/>
+          <p:cNvSpPr txBox="1">
+            <a:spLocks/>
+          </p:cNvSpPr>
           <p:nvPr/>
-        </p:nvPicPr>
-        <p:blipFill>
-          <a:blip r:embed="rId2">
-            <a:extLst>
-              <a:ext uri="{28A0092B-C50C-407E-A947-70E740481C1C}">
-                <a14:useLocalDpi xmlns:a14="http://schemas.microsoft.com/office/drawing/2010/main" val="0"/>
-              </a:ext>
-            </a:extLst>
-          </a:blip>
-          <a:stretch>
-            <a:fillRect/>
-          </a:stretch>
-        </p:blipFill>
+        </p:nvSpPr>
         <p:spPr>
           <a:xfrm>
-            <a:off x="1233306" y="1634066"/>
-            <a:ext cx="6683023" cy="5012267"/>
+            <a:off x="457200" y="274638"/>
+            <a:ext cx="8229600" cy="1143000"/>
           </a:xfrm>
           <a:prstGeom prst="rect">
             <a:avLst/>
           </a:prstGeom>
         </p:spPr>
-      </p:pic>
-      <p:sp>
-        <p:nvSpPr>
-          <p:cNvPr id="6" name="TextBox 5"/>
-          <p:cNvSpPr txBox="1"/>
-          <p:nvPr/>
-        </p:nvSpPr>
-        <p:spPr>
-          <a:xfrm>
-            <a:off x="6352823" y="6242971"/>
-            <a:ext cx="1106311" cy="307777"/>
-          </a:xfrm>
-          <a:prstGeom prst="rect">
-            <a:avLst/>
-          </a:prstGeom>
-          <a:noFill/>
-        </p:spPr>
-        <p:txBody>
-          <a:bodyPr wrap="square" rtlCol="0">
-            <a:spAutoFit/>
+        <p:txBody>
+          <a:bodyPr vert="horz" lIns="91440" tIns="45720" rIns="91440" bIns="45720" rtlCol="0" anchor="ctr">
+            <a:normAutofit/>
           </a:bodyPr>
-          <a:lstStyle/>
-          <a:p>
-            <a:r>
-              <a:rPr lang="en-US" sz="1400" dirty="0" smtClean="0">
-                <a:solidFill>
-                  <a:schemeClr val="bg1"/>
+          <a:lstStyle>
+            <a:lvl1pPr algn="ctr" defTabSz="914400" rtl="0" eaLnBrk="1" latinLnBrk="0" hangingPunct="1">
+              <a:spcBef>
+                <a:spcPct val="0"/>
+              </a:spcBef>
+              <a:buNone/>
+              <a:defRPr sz="4400" kern="1200">
+                <a:solidFill>
+                  <a:schemeClr val="tx1"/>
+                </a:solidFill>
+                <a:latin typeface="+mj-lt"/>
+                <a:ea typeface="+mj-ea"/>
+                <a:cs typeface="+mj-cs"/>
+              </a:defRPr>
+            </a:lvl1pPr>
+          </a:lstStyle>
+          <a:p>
+            <a:r>
+              <a:rPr lang="en-US" sz="6000" dirty="0" smtClean="0">
+                <a:solidFill>
+                  <a:srgbClr val="FFFF00"/>
                 </a:solidFill>
               </a:rPr>
-              <a:t>Piso+15</a:t>
-            </a:r>
-            <a:endParaRPr lang="en-US" sz="1400" dirty="0">
+              <a:t>“SUB”-GOAL</a:t>
+            </a:r>
+            <a:endParaRPr lang="en-US" sz="6000" dirty="0">
               <a:solidFill>
-                <a:schemeClr val="bg1"/>
+                <a:srgbClr val="FFFF00"/>
               </a:solidFill>
             </a:endParaRPr>
           </a:p>
@@ -5247,7 +5490,7 @@
     </p:spTree>
     <p:extLst>
       <p:ext uri="{BB962C8B-B14F-4D97-AF65-F5344CB8AC3E}">
-        <p14:creationId xmlns:p14="http://schemas.microsoft.com/office/powerpoint/2010/main" val="940481327"/>
+        <p14:creationId xmlns:p14="http://schemas.microsoft.com/office/powerpoint/2010/main" val="340389163"/>
       </p:ext>
     </p:extLst>
   </p:cSld>
@@ -5291,135 +5534,211 @@
             <p:ph type="title"/>
           </p:nvPr>
         </p:nvSpPr>
+        <p:spPr/>
+        <p:txBody>
+          <a:bodyPr/>
+          <a:lstStyle/>
+          <a:p>
+            <a:r>
+              <a:rPr lang="en-US" dirty="0" smtClean="0"/>
+              <a:t>Radial drift of solids</a:t>
+            </a:r>
+            <a:endParaRPr lang="en-US" dirty="0"/>
+          </a:p>
+        </p:txBody>
+      </p:sp>
+      <p:sp>
+        <p:nvSpPr>
+          <p:cNvPr id="3" name="Content Placeholder 2"/>
+          <p:cNvSpPr>
+            <a:spLocks noGrp="1"/>
+          </p:cNvSpPr>
+          <p:nvPr>
+            <p:ph idx="1"/>
+          </p:nvPr>
+        </p:nvSpPr>
         <p:spPr>
           <a:xfrm>
-            <a:off x="457200" y="20638"/>
-            <a:ext cx="8229600" cy="1143000"/>
+            <a:off x="457199" y="1600200"/>
+            <a:ext cx="8446911" cy="4525963"/>
           </a:xfrm>
         </p:spPr>
         <p:txBody>
           <a:bodyPr>
-            <a:noAutofit/>
+            <a:normAutofit fontScale="92500" lnSpcReduction="20000"/>
           </a:bodyPr>
           <a:lstStyle/>
           <a:p>
             <a:r>
-              <a:rPr lang="en-US" sz="3600" dirty="0" smtClean="0"/>
-              <a:t>We determined </a:t>
-            </a:r>
-            <a:r>
-              <a:rPr lang="en-US" sz="3600" dirty="0" smtClean="0">
+              <a:rPr lang="en-US" dirty="0" smtClean="0"/>
+              <a:t>Gas moves at </a:t>
+            </a:r>
+            <a:r>
+              <a:rPr lang="en-US" dirty="0" smtClean="0">
                 <a:solidFill>
                   <a:srgbClr val="FFFF00"/>
                 </a:solidFill>
               </a:rPr>
-              <a:t>upper limits </a:t>
-            </a:r>
-            <a:r>
-              <a:rPr lang="en-US" sz="3600" dirty="0" smtClean="0"/>
-              <a:t>for the </a:t>
-            </a:r>
-            <a:r>
-              <a:rPr lang="en-US" sz="3600" dirty="0" smtClean="0">
+              <a:t>sub-</a:t>
+            </a:r>
+            <a:r>
+              <a:rPr lang="en-US" dirty="0" err="1" smtClean="0">
                 <a:solidFill>
                   <a:srgbClr val="FFFF00"/>
                 </a:solidFill>
               </a:rPr>
-              <a:t>C/O ratio</a:t>
-            </a:r>
-            <a:r>
-              <a:rPr lang="en-US" sz="3600" dirty="0" smtClean="0"/>
-              <a:t> across the disk</a:t>
-            </a:r>
-            <a:endParaRPr lang="en-US" sz="3600" dirty="0"/>
-          </a:p>
-        </p:txBody>
-      </p:sp>
-      <p:pic>
-        <p:nvPicPr>
-          <p:cNvPr id="3" name="Picture 2" descr="C_O_ratio_passive_active_disk_many_colorbar_complete_new.pdf"/>
-          <p:cNvPicPr>
-            <a:picLocks noChangeAspect="1"/>
-          </p:cNvPicPr>
-          <p:nvPr/>
-        </p:nvPicPr>
-        <p:blipFill>
-          <a:blip r:embed="rId2">
-            <a:extLst>
-              <a:ext uri="{28A0092B-C50C-407E-A947-70E740481C1C}">
-                <a14:useLocalDpi xmlns:a14="http://schemas.microsoft.com/office/drawing/2010/main" val="0"/>
-              </a:ext>
-            </a:extLst>
-          </a:blip>
-          <a:stretch>
-            <a:fillRect/>
-          </a:stretch>
-        </p:blipFill>
-        <p:spPr>
-          <a:xfrm>
-            <a:off x="1961445" y="1163638"/>
-            <a:ext cx="5446888" cy="5446888"/>
-          </a:xfrm>
-          <a:prstGeom prst="rect">
-            <a:avLst/>
-          </a:prstGeom>
-        </p:spPr>
-      </p:pic>
-      <p:sp>
-        <p:nvSpPr>
-          <p:cNvPr id="6" name="TextBox 5"/>
-          <p:cNvSpPr txBox="1"/>
-          <p:nvPr/>
-        </p:nvSpPr>
-        <p:spPr>
-          <a:xfrm>
-            <a:off x="6268157" y="6242971"/>
-            <a:ext cx="1106311" cy="307777"/>
-          </a:xfrm>
-          <a:prstGeom prst="rect">
-            <a:avLst/>
-          </a:prstGeom>
-          <a:noFill/>
-        </p:spPr>
-        <p:txBody>
-          <a:bodyPr wrap="square" rtlCol="0">
-            <a:spAutoFit/>
-          </a:bodyPr>
-          <a:lstStyle/>
-          <a:p>
-            <a:r>
-              <a:rPr lang="en-US" sz="1400" dirty="0" smtClean="0">
-                <a:solidFill>
-                  <a:schemeClr val="bg1"/>
+              <a:t>Keplerian</a:t>
+            </a:r>
+            <a:r>
+              <a:rPr lang="en-US" dirty="0" smtClean="0">
+                <a:solidFill>
+                  <a:srgbClr val="FFFF00"/>
                 </a:solidFill>
               </a:rPr>
-              <a:t>Piso+15</a:t>
-            </a:r>
-            <a:endParaRPr lang="en-US" sz="1400" dirty="0">
-              <a:solidFill>
-                <a:schemeClr val="bg1"/>
-              </a:solidFill>
-            </a:endParaRPr>
+              <a:t> velocity</a:t>
+            </a:r>
+            <a:r>
+              <a:rPr lang="en-US" dirty="0" smtClean="0"/>
+              <a:t>:</a:t>
+            </a:r>
+          </a:p>
+          <a:p>
+            <a:pPr marL="0" indent="0">
+              <a:buNone/>
+            </a:pPr>
+            <a:r>
+              <a:rPr lang="en-US" dirty="0" smtClean="0"/>
+              <a:t>	</a:t>
+            </a:r>
+            <a:r>
+              <a:rPr lang="en-US" dirty="0" err="1" smtClean="0"/>
+              <a:t>v</a:t>
+            </a:r>
+            <a:r>
+              <a:rPr lang="en-US" baseline="-25000" dirty="0" err="1" smtClean="0"/>
+              <a:t>gas</a:t>
+            </a:r>
+            <a:r>
+              <a:rPr lang="en-US" dirty="0" smtClean="0"/>
+              <a:t> ~ </a:t>
+            </a:r>
+            <a:r>
+              <a:rPr lang="en-US" dirty="0" err="1" smtClean="0"/>
+              <a:t>v</a:t>
+            </a:r>
+            <a:r>
+              <a:rPr lang="en-US" baseline="-25000" dirty="0" err="1" smtClean="0"/>
+              <a:t>K</a:t>
+            </a:r>
+            <a:r>
+              <a:rPr lang="en-US" dirty="0" smtClean="0"/>
+              <a:t> (1-c</a:t>
+            </a:r>
+            <a:r>
+              <a:rPr lang="en-US" baseline="-25000" dirty="0" smtClean="0"/>
+              <a:t>s</a:t>
+            </a:r>
+            <a:r>
+              <a:rPr lang="en-US" baseline="30000" dirty="0" smtClean="0"/>
+              <a:t>2</a:t>
+            </a:r>
+            <a:r>
+              <a:rPr lang="en-US" dirty="0" smtClean="0"/>
+              <a:t> / v</a:t>
+            </a:r>
+            <a:r>
+              <a:rPr lang="en-US" baseline="-25000" dirty="0" smtClean="0"/>
+              <a:t>k</a:t>
+            </a:r>
+            <a:r>
+              <a:rPr lang="en-US" baseline="30000" dirty="0" smtClean="0"/>
+              <a:t>2</a:t>
+            </a:r>
+            <a:r>
+              <a:rPr lang="en-US" dirty="0" smtClean="0"/>
+              <a:t>)</a:t>
+            </a:r>
+          </a:p>
+          <a:p>
+            <a:pPr marL="0" indent="0">
+              <a:buNone/>
+            </a:pPr>
+            <a:endParaRPr lang="en-US" dirty="0" smtClean="0"/>
+          </a:p>
+          <a:p>
+            <a:r>
+              <a:rPr lang="en-US" dirty="0" smtClean="0">
+                <a:solidFill>
+                  <a:srgbClr val="FFFF00"/>
+                </a:solidFill>
+              </a:rPr>
+              <a:t>Small particles </a:t>
+            </a:r>
+            <a:r>
+              <a:rPr lang="en-US" dirty="0" smtClean="0"/>
+              <a:t>(~micron size) move with the gas</a:t>
+            </a:r>
+          </a:p>
+          <a:p>
+            <a:endParaRPr lang="en-US" dirty="0" smtClean="0"/>
+          </a:p>
+          <a:p>
+            <a:r>
+              <a:rPr lang="en-US" dirty="0" smtClean="0">
+                <a:solidFill>
+                  <a:srgbClr val="FFFF00"/>
+                </a:solidFill>
+              </a:rPr>
+              <a:t>Large particles </a:t>
+            </a:r>
+            <a:r>
+              <a:rPr lang="en-US" dirty="0" smtClean="0"/>
+              <a:t>(~km size) are unaffected by gas drag</a:t>
+            </a:r>
+          </a:p>
+          <a:p>
+            <a:endParaRPr lang="en-US" dirty="0" smtClean="0"/>
+          </a:p>
+          <a:p>
+            <a:r>
+              <a:rPr lang="en-US" dirty="0" smtClean="0">
+                <a:solidFill>
+                  <a:srgbClr val="FFFF00"/>
+                </a:solidFill>
+              </a:rPr>
+              <a:t>“Intermediate sized” particles </a:t>
+            </a:r>
+            <a:r>
+              <a:rPr lang="en-US" dirty="0" smtClean="0"/>
+              <a:t>(~cm-m size) experience a headwind and </a:t>
+            </a:r>
+            <a:r>
+              <a:rPr lang="en-US" dirty="0" smtClean="0">
+                <a:solidFill>
+                  <a:srgbClr val="FFFF00"/>
+                </a:solidFill>
+              </a:rPr>
+              <a:t>drift towards the star</a:t>
+            </a:r>
+          </a:p>
+          <a:p>
+            <a:pPr marL="457200" lvl="1" indent="0">
+              <a:buNone/>
+            </a:pPr>
+            <a:endParaRPr lang="en-US" dirty="0" smtClean="0"/>
           </a:p>
         </p:txBody>
       </p:sp>
     </p:spTree>
     <p:extLst>
       <p:ext uri="{BB962C8B-B14F-4D97-AF65-F5344CB8AC3E}">
-        <p14:creationId xmlns:p14="http://schemas.microsoft.com/office/powerpoint/2010/main" val="1582584690"/>
+        <p14:creationId xmlns:p14="http://schemas.microsoft.com/office/powerpoint/2010/main" val="226026750"/>
       </p:ext>
     </p:extLst>
   </p:cSld>
   <p:clrMapOvr>
     <a:masterClrMapping/>
   </p:clrMapOvr>
-  <p:timing>
-    <p:tnLst>
-      <p:par>
-        <p:cTn xmlns:p14="http://schemas.microsoft.com/office/powerpoint/2010/main" id="1" dur="indefinite" restart="never" nodeType="tmRoot"/>
-      </p:par>
-    </p:tnLst>
-  </p:timing>
 </p:sld>
 </file>
 
@@ -5458,8 +5777,16 @@
           <a:lstStyle/>
           <a:p>
             <a:r>
+              <a:rPr lang="en-US" dirty="0" smtClean="0">
+                <a:solidFill>
+                  <a:srgbClr val="FFFF00"/>
+                </a:solidFill>
+              </a:rPr>
+              <a:t>Timescales</a:t>
+            </a:r>
+            <a:r>
               <a:rPr lang="en-US" dirty="0" smtClean="0"/>
-              <a:t>The </a:t>
+              <a:t> for </a:t>
             </a:r>
             <a:r>
               <a:rPr lang="en-US" dirty="0" smtClean="0">
@@ -5467,11 +5794,11 @@
                   <a:srgbClr val="FFFF00"/>
                 </a:solidFill>
               </a:rPr>
-              <a:t>desorption distance </a:t>
+              <a:t>desorption</a:t>
             </a:r>
             <a:r>
               <a:rPr lang="en-US" dirty="0" smtClean="0"/>
-              <a:t>for </a:t>
+              <a:t>, </a:t>
             </a:r>
             <a:r>
               <a:rPr lang="en-US" dirty="0" smtClean="0">
@@ -5479,11 +5806,11 @@
                   <a:srgbClr val="FFFF00"/>
                 </a:solidFill>
               </a:rPr>
-              <a:t>transition disks</a:t>
+              <a:t>radial drift </a:t>
             </a:r>
             <a:r>
               <a:rPr lang="en-US" dirty="0" smtClean="0"/>
-              <a:t> agrees with </a:t>
+              <a:t>and </a:t>
             </a:r>
             <a:r>
               <a:rPr lang="en-US" dirty="0" smtClean="0">
@@ -5491,11 +5818,49 @@
                   <a:srgbClr val="FFFF00"/>
                 </a:solidFill>
               </a:rPr>
-              <a:t>observations</a:t>
-            </a:r>
-            <a:endParaRPr lang="en-US" dirty="0">
+              <a:t>gas accretion </a:t>
+            </a:r>
+            <a:r>
+              <a:rPr lang="en-US" dirty="0" smtClean="0"/>
+              <a:t>ARE comparable</a:t>
+            </a:r>
+            <a:endParaRPr lang="en-US" dirty="0"/>
+          </a:p>
+        </p:txBody>
+      </p:sp>
+      <p:sp>
+        <p:nvSpPr>
+          <p:cNvPr id="5" name="TextBox 4"/>
+          <p:cNvSpPr txBox="1"/>
+          <p:nvPr/>
+        </p:nvSpPr>
+        <p:spPr>
+          <a:xfrm>
+            <a:off x="7374468" y="6396860"/>
+            <a:ext cx="1106311" cy="307777"/>
+          </a:xfrm>
+          <a:prstGeom prst="rect">
+            <a:avLst/>
+          </a:prstGeom>
+          <a:noFill/>
+        </p:spPr>
+        <p:txBody>
+          <a:bodyPr wrap="square" rtlCol="0">
+            <a:spAutoFit/>
+          </a:bodyPr>
+          <a:lstStyle/>
+          <a:p>
+            <a:r>
+              <a:rPr lang="en-US" sz="1400" dirty="0" smtClean="0">
+                <a:solidFill>
+                  <a:schemeClr val="bg1"/>
+                </a:solidFill>
+              </a:rPr>
+              <a:t>Piso+15</a:t>
+            </a:r>
+            <a:endParaRPr lang="en-US" sz="1400" dirty="0">
               <a:solidFill>
-                <a:srgbClr val="FFFF00"/>
+                <a:schemeClr val="bg1"/>
               </a:solidFill>
             </a:endParaRPr>
           </a:p>
@@ -5503,7 +5868,7 @@
       </p:sp>
       <p:pic>
         <p:nvPicPr>
-          <p:cNvPr id="4" name="Picture 3" descr="desorption_distance_transition_disk_1000.pdf"/>
+          <p:cNvPr id="3" name="Picture 2" descr="drift_timescales_betaS1_gas_acc_new.pdf"/>
           <p:cNvPicPr>
             <a:picLocks noChangeAspect="1"/>
           </p:cNvPicPr>
@@ -5523,8 +5888,8 @@
         </p:blipFill>
         <p:spPr>
           <a:xfrm>
-            <a:off x="1628422" y="1761066"/>
-            <a:ext cx="6033911" cy="4525434"/>
+            <a:off x="1233306" y="1634066"/>
+            <a:ext cx="6683023" cy="5012267"/>
           </a:xfrm>
           <a:prstGeom prst="rect">
             <a:avLst/>
@@ -5533,13 +5898,13 @@
       </p:pic>
       <p:sp>
         <p:nvSpPr>
-          <p:cNvPr id="5" name="TextBox 4"/>
+          <p:cNvPr id="6" name="TextBox 5"/>
           <p:cNvSpPr txBox="1"/>
           <p:nvPr/>
         </p:nvSpPr>
         <p:spPr>
           <a:xfrm>
-            <a:off x="6556022" y="5860638"/>
+            <a:off x="6352823" y="6242971"/>
             <a:ext cx="1106311" cy="307777"/>
           </a:xfrm>
           <a:prstGeom prst="rect">
@@ -5572,7 +5937,7 @@
     </p:spTree>
     <p:extLst>
       <p:ext uri="{BB962C8B-B14F-4D97-AF65-F5344CB8AC3E}">
-        <p14:creationId xmlns:p14="http://schemas.microsoft.com/office/powerpoint/2010/main" val="3837873753"/>
+        <p14:creationId xmlns:p14="http://schemas.microsoft.com/office/powerpoint/2010/main" val="940481327"/>
       </p:ext>
     </p:extLst>
   </p:cSld>
